--- a/论文/15110100602黄胜杰.pptx
+++ b/论文/15110100602黄胜杰.pptx
@@ -226,7 +226,7 @@
           <a:p>
             <a:fld id="{7070F921-D3E0-4422-A8E9-C6D1152F926A}" type="datetimeFigureOut">
               <a:rPr lang="zh-CN" altLang="en-US" smtClean="0"/>
-              <a:t>2019/5/22</a:t>
+              <a:t>2019/5/23</a:t>
             </a:fld>
             <a:endParaRPr lang="zh-CN" altLang="en-US"/>
           </a:p>
@@ -622,7 +622,7 @@
           <a:p>
             <a:fld id="{4D0285C5-3AE0-4535-B692-50F714B6F89D}" type="datetimeFigureOut">
               <a:rPr lang="zh-CN" altLang="en-US" smtClean="0"/>
-              <a:t>2019/5/22</a:t>
+              <a:t>2019/5/23</a:t>
             </a:fld>
             <a:endParaRPr lang="zh-CN" altLang="en-US"/>
           </a:p>
@@ -785,7 +785,7 @@
           <a:p>
             <a:fld id="{4D0285C5-3AE0-4535-B692-50F714B6F89D}" type="datetimeFigureOut">
               <a:rPr lang="zh-CN" altLang="en-US" smtClean="0"/>
-              <a:t>2019/5/22</a:t>
+              <a:t>2019/5/23</a:t>
             </a:fld>
             <a:endParaRPr lang="zh-CN" altLang="en-US"/>
           </a:p>
@@ -958,7 +958,7 @@
           <a:p>
             <a:fld id="{4D0285C5-3AE0-4535-B692-50F714B6F89D}" type="datetimeFigureOut">
               <a:rPr lang="zh-CN" altLang="en-US" smtClean="0"/>
-              <a:t>2019/5/22</a:t>
+              <a:t>2019/5/23</a:t>
             </a:fld>
             <a:endParaRPr lang="zh-CN" altLang="en-US"/>
           </a:p>
@@ -1121,7 +1121,7 @@
           <a:p>
             <a:fld id="{4D0285C5-3AE0-4535-B692-50F714B6F89D}" type="datetimeFigureOut">
               <a:rPr lang="zh-CN" altLang="en-US" smtClean="0"/>
-              <a:t>2019/5/22</a:t>
+              <a:t>2019/5/23</a:t>
             </a:fld>
             <a:endParaRPr lang="zh-CN" altLang="en-US"/>
           </a:p>
@@ -1361,7 +1361,7 @@
           <a:p>
             <a:fld id="{4D0285C5-3AE0-4535-B692-50F714B6F89D}" type="datetimeFigureOut">
               <a:rPr lang="zh-CN" altLang="en-US" smtClean="0"/>
-              <a:t>2019/5/22</a:t>
+              <a:t>2019/5/23</a:t>
             </a:fld>
             <a:endParaRPr lang="zh-CN" altLang="en-US"/>
           </a:p>
@@ -1585,7 +1585,7 @@
           <a:p>
             <a:fld id="{4D0285C5-3AE0-4535-B692-50F714B6F89D}" type="datetimeFigureOut">
               <a:rPr lang="zh-CN" altLang="en-US" smtClean="0"/>
-              <a:t>2019/5/22</a:t>
+              <a:t>2019/5/23</a:t>
             </a:fld>
             <a:endParaRPr lang="zh-CN" altLang="en-US"/>
           </a:p>
@@ -2413,7 +2413,7 @@
           <a:p>
             <a:fld id="{4D0285C5-3AE0-4535-B692-50F714B6F89D}" type="datetimeFigureOut">
               <a:rPr lang="zh-CN" altLang="en-US" smtClean="0"/>
-              <a:t>2019/5/22</a:t>
+              <a:t>2019/5/23</a:t>
             </a:fld>
             <a:endParaRPr lang="zh-CN" altLang="en-US"/>
           </a:p>
@@ -2525,7 +2525,7 @@
           <a:p>
             <a:fld id="{4D0285C5-3AE0-4535-B692-50F714B6F89D}" type="datetimeFigureOut">
               <a:rPr lang="zh-CN" altLang="en-US" smtClean="0"/>
-              <a:t>2019/5/22</a:t>
+              <a:t>2019/5/23</a:t>
             </a:fld>
             <a:endParaRPr lang="zh-CN" altLang="en-US"/>
           </a:p>
@@ -2615,7 +2615,7 @@
           <a:p>
             <a:fld id="{4D0285C5-3AE0-4535-B692-50F714B6F89D}" type="datetimeFigureOut">
               <a:rPr lang="zh-CN" altLang="en-US" smtClean="0"/>
-              <a:t>2019/5/22</a:t>
+              <a:t>2019/5/23</a:t>
             </a:fld>
             <a:endParaRPr lang="zh-CN" altLang="en-US"/>
           </a:p>
@@ -2885,7 +2885,7 @@
           <a:p>
             <a:fld id="{4D0285C5-3AE0-4535-B692-50F714B6F89D}" type="datetimeFigureOut">
               <a:rPr lang="zh-CN" altLang="en-US" smtClean="0"/>
-              <a:t>2019/5/22</a:t>
+              <a:t>2019/5/23</a:t>
             </a:fld>
             <a:endParaRPr lang="zh-CN" altLang="en-US"/>
           </a:p>
@@ -3132,7 +3132,7 @@
           <a:p>
             <a:fld id="{4D0285C5-3AE0-4535-B692-50F714B6F89D}" type="datetimeFigureOut">
               <a:rPr lang="zh-CN" altLang="en-US" smtClean="0"/>
-              <a:t>2019/5/22</a:t>
+              <a:t>2019/5/23</a:t>
             </a:fld>
             <a:endParaRPr lang="zh-CN" altLang="en-US"/>
           </a:p>
@@ -3338,7 +3338,7 @@
           <a:p>
             <a:fld id="{4D0285C5-3AE0-4535-B692-50F714B6F89D}" type="datetimeFigureOut">
               <a:rPr lang="zh-CN" altLang="en-US" smtClean="0"/>
-              <a:t>2019/5/22</a:t>
+              <a:t>2019/5/23</a:t>
             </a:fld>
             <a:endParaRPr lang="zh-CN" altLang="en-US"/>
           </a:p>
@@ -7337,6 +7337,41 @@
               <a:cs typeface="+mn-ea"/>
               <a:sym typeface="+mn-lt"/>
             </a:endParaRPr>
+          </a:p>
+        </p:txBody>
+      </p:sp>
+      <p:sp>
+        <p:nvSpPr>
+          <p:cNvPr id="23" name="文本框 22">
+            <a:extLst>
+              <a:ext uri="{FF2B5EF4-FFF2-40B4-BE49-F238E27FC236}">
+                <a16:creationId xmlns:a16="http://schemas.microsoft.com/office/drawing/2014/main" id="{69C2BE90-AEA4-4B18-9467-069A6BDC4B4C}"/>
+              </a:ext>
+            </a:extLst>
+          </p:cNvPr>
+          <p:cNvSpPr txBox="1"/>
+          <p:nvPr/>
+        </p:nvSpPr>
+        <p:spPr>
+          <a:xfrm>
+            <a:off x="7794170" y="1096577"/>
+            <a:ext cx="2216932" cy="584775"/>
+          </a:xfrm>
+          <a:prstGeom prst="rect">
+            <a:avLst/>
+          </a:prstGeom>
+          <a:noFill/>
+        </p:spPr>
+        <p:txBody>
+          <a:bodyPr wrap="square" rtlCol="0">
+            <a:spAutoFit/>
+          </a:bodyPr>
+          <a:lstStyle/>
+          <a:p>
+            <a:r>
+              <a:rPr lang="zh-CN" altLang="en-US" sz="3200" dirty="0"/>
+              <a:t>数据表</a:t>
+            </a:r>
           </a:p>
         </p:txBody>
       </p:sp>
@@ -31818,222 +31853,6 @@
       </p:sp>
       <p:sp>
         <p:nvSpPr>
-          <p:cNvPr id="18" name="TextBox 11"/>
-          <p:cNvSpPr/>
-          <p:nvPr/>
-        </p:nvSpPr>
-        <p:spPr>
-          <a:xfrm flipH="1">
-            <a:off x="4853845" y="3659025"/>
-            <a:ext cx="2124895" cy="461665"/>
-          </a:xfrm>
-          <a:prstGeom prst="rect">
-            <a:avLst/>
-          </a:prstGeom>
-          <a:noFill/>
-          <a:ln w="9525">
-            <a:noFill/>
-            <a:miter/>
-          </a:ln>
-        </p:spPr>
-        <p:txBody>
-          <a:bodyPr wrap="square">
-            <a:spAutoFit/>
-          </a:bodyPr>
-          <a:lstStyle>
-            <a:lvl1pPr marL="0" lvl="0" indent="0" algn="l" defTabSz="914400" eaLnBrk="0" fontAlgn="base" latinLnBrk="0" hangingPunct="0">
-              <a:spcBef>
-                <a:spcPct val="0"/>
-              </a:spcBef>
-              <a:spcAft>
-                <a:spcPct val="0"/>
-              </a:spcAft>
-              <a:buFont typeface="Arial" charset="0"/>
-              <a:buNone/>
-              <a:defRPr sz="1800" b="0" u="none" kern="1200" baseline="0">
-                <a:solidFill>
-                  <a:schemeClr val="tx1"/>
-                </a:solidFill>
-                <a:latin typeface="+mn-lt"/>
-                <a:ea typeface="+mn-ea"/>
-                <a:cs typeface="+mn-cs"/>
-              </a:defRPr>
-            </a:lvl1pPr>
-            <a:lvl2pPr marL="457200" lvl="1" indent="0" algn="l" defTabSz="914400" eaLnBrk="1" fontAlgn="base" latinLnBrk="0" hangingPunct="1">
-              <a:spcBef>
-                <a:spcPct val="0"/>
-              </a:spcBef>
-              <a:spcAft>
-                <a:spcPct val="0"/>
-              </a:spcAft>
-              <a:buFont typeface="Arial" charset="0"/>
-              <a:buNone/>
-              <a:defRPr sz="1800" b="0" u="none" kern="1200" baseline="0">
-                <a:solidFill>
-                  <a:schemeClr val="tx1"/>
-                </a:solidFill>
-                <a:latin typeface="+mn-lt"/>
-                <a:ea typeface="+mn-ea"/>
-                <a:cs typeface="+mn-cs"/>
-              </a:defRPr>
-            </a:lvl2pPr>
-            <a:lvl3pPr marL="914400" lvl="2" indent="0" algn="l" defTabSz="914400" eaLnBrk="1" fontAlgn="base" latinLnBrk="0" hangingPunct="1">
-              <a:spcBef>
-                <a:spcPct val="0"/>
-              </a:spcBef>
-              <a:spcAft>
-                <a:spcPct val="0"/>
-              </a:spcAft>
-              <a:buFont typeface="Arial" charset="0"/>
-              <a:buNone/>
-              <a:defRPr sz="1800" b="0" u="none" kern="1200" baseline="0">
-                <a:solidFill>
-                  <a:schemeClr val="tx1"/>
-                </a:solidFill>
-                <a:latin typeface="+mn-lt"/>
-                <a:ea typeface="+mn-ea"/>
-                <a:cs typeface="+mn-cs"/>
-              </a:defRPr>
-            </a:lvl3pPr>
-            <a:lvl4pPr marL="1371600" lvl="3" indent="0" algn="l" defTabSz="914400" eaLnBrk="1" fontAlgn="base" latinLnBrk="0" hangingPunct="1">
-              <a:spcBef>
-                <a:spcPct val="0"/>
-              </a:spcBef>
-              <a:spcAft>
-                <a:spcPct val="0"/>
-              </a:spcAft>
-              <a:buFont typeface="Arial" charset="0"/>
-              <a:buNone/>
-              <a:defRPr sz="1800" b="0" u="none" kern="1200" baseline="0">
-                <a:solidFill>
-                  <a:schemeClr val="tx1"/>
-                </a:solidFill>
-                <a:latin typeface="+mn-lt"/>
-                <a:ea typeface="+mn-ea"/>
-                <a:cs typeface="+mn-cs"/>
-              </a:defRPr>
-            </a:lvl4pPr>
-            <a:lvl5pPr marL="1828800" lvl="4" indent="0" algn="l" defTabSz="914400" eaLnBrk="1" fontAlgn="base" latinLnBrk="0" hangingPunct="1">
-              <a:spcBef>
-                <a:spcPct val="0"/>
-              </a:spcBef>
-              <a:spcAft>
-                <a:spcPct val="0"/>
-              </a:spcAft>
-              <a:buFont typeface="Arial" charset="0"/>
-              <a:buNone/>
-              <a:defRPr sz="1800" b="0" u="none" kern="1200" baseline="0">
-                <a:solidFill>
-                  <a:schemeClr val="tx1"/>
-                </a:solidFill>
-                <a:latin typeface="+mn-lt"/>
-                <a:ea typeface="+mn-ea"/>
-                <a:cs typeface="+mn-cs"/>
-              </a:defRPr>
-            </a:lvl5pPr>
-            <a:lvl6pPr marL="2286000" lvl="5" indent="0" algn="l" defTabSz="914400" eaLnBrk="1" fontAlgn="base" latinLnBrk="0" hangingPunct="1">
-              <a:spcBef>
-                <a:spcPct val="0"/>
-              </a:spcBef>
-              <a:spcAft>
-                <a:spcPct val="0"/>
-              </a:spcAft>
-              <a:buFont typeface="Arial" charset="0"/>
-              <a:buNone/>
-              <a:defRPr sz="1800" b="0" u="none" kern="1200" baseline="0">
-                <a:solidFill>
-                  <a:schemeClr val="tx1"/>
-                </a:solidFill>
-                <a:latin typeface="+mn-lt"/>
-                <a:ea typeface="+mn-ea"/>
-                <a:cs typeface="+mn-cs"/>
-              </a:defRPr>
-            </a:lvl6pPr>
-            <a:lvl7pPr marL="2743200" lvl="6" indent="0" algn="l" defTabSz="914400" eaLnBrk="1" fontAlgn="base" latinLnBrk="0" hangingPunct="1">
-              <a:spcBef>
-                <a:spcPct val="0"/>
-              </a:spcBef>
-              <a:spcAft>
-                <a:spcPct val="0"/>
-              </a:spcAft>
-              <a:buFont typeface="Arial" charset="0"/>
-              <a:buNone/>
-              <a:defRPr sz="1800" b="0" u="none" kern="1200" baseline="0">
-                <a:solidFill>
-                  <a:schemeClr val="tx1"/>
-                </a:solidFill>
-                <a:latin typeface="+mn-lt"/>
-                <a:ea typeface="+mn-ea"/>
-                <a:cs typeface="+mn-cs"/>
-              </a:defRPr>
-            </a:lvl7pPr>
-            <a:lvl8pPr marL="3200400" lvl="7" indent="0" algn="l" defTabSz="914400" eaLnBrk="1" fontAlgn="base" latinLnBrk="0" hangingPunct="1">
-              <a:spcBef>
-                <a:spcPct val="0"/>
-              </a:spcBef>
-              <a:spcAft>
-                <a:spcPct val="0"/>
-              </a:spcAft>
-              <a:buFont typeface="Arial" charset="0"/>
-              <a:buNone/>
-              <a:defRPr sz="1800" b="0" u="none" kern="1200" baseline="0">
-                <a:solidFill>
-                  <a:schemeClr val="tx1"/>
-                </a:solidFill>
-                <a:latin typeface="+mn-lt"/>
-                <a:ea typeface="+mn-ea"/>
-                <a:cs typeface="+mn-cs"/>
-              </a:defRPr>
-            </a:lvl8pPr>
-            <a:lvl9pPr marL="3657600" lvl="8" indent="0" algn="l" defTabSz="914400" eaLnBrk="1" fontAlgn="base" latinLnBrk="0" hangingPunct="1">
-              <a:spcBef>
-                <a:spcPct val="0"/>
-              </a:spcBef>
-              <a:spcAft>
-                <a:spcPct val="0"/>
-              </a:spcAft>
-              <a:buFont typeface="Arial" charset="0"/>
-              <a:buNone/>
-              <a:defRPr sz="1800" b="0" u="none" kern="1200" baseline="0">
-                <a:solidFill>
-                  <a:schemeClr val="tx1"/>
-                </a:solidFill>
-                <a:latin typeface="+mn-lt"/>
-                <a:ea typeface="+mn-ea"/>
-                <a:cs typeface="+mn-cs"/>
-              </a:defRPr>
-            </a:lvl9pPr>
-          </a:lstStyle>
-          <a:p>
-            <a:pPr lvl="0" algn="ctr" eaLnBrk="1" hangingPunct="1"/>
-            <a:r>
-              <a:rPr lang="zh-CN" altLang="en-US" sz="2400" b="1" dirty="0">
-                <a:solidFill>
-                  <a:schemeClr val="tx1">
-                    <a:lumMod val="75000"/>
-                    <a:lumOff val="25000"/>
-                  </a:schemeClr>
-                </a:solidFill>
-                <a:cs typeface="+mn-ea"/>
-                <a:sym typeface="+mn-lt"/>
-              </a:rPr>
-              <a:t>点击添加标题    </a:t>
-            </a:r>
-            <a:endParaRPr lang="en-US" altLang="x-none" sz="2400" b="1" dirty="0">
-              <a:solidFill>
-                <a:schemeClr val="tx1">
-                  <a:lumMod val="75000"/>
-                  <a:lumOff val="25000"/>
-                </a:schemeClr>
-              </a:solidFill>
-              <a:cs typeface="+mn-ea"/>
-              <a:sym typeface="+mn-lt"/>
-            </a:endParaRPr>
-          </a:p>
-        </p:txBody>
-      </p:sp>
-      <p:sp>
-        <p:nvSpPr>
           <p:cNvPr id="21" name="直接连接符 20"/>
           <p:cNvSpPr/>
           <p:nvPr/>
@@ -35960,6 +35779,41 @@
           </a:p>
         </p:txBody>
       </p:sp>
+      <p:sp>
+        <p:nvSpPr>
+          <p:cNvPr id="2" name="文本框 1">
+            <a:extLst>
+              <a:ext uri="{FF2B5EF4-FFF2-40B4-BE49-F238E27FC236}">
+                <a16:creationId xmlns:a16="http://schemas.microsoft.com/office/drawing/2014/main" id="{9B9778F4-4854-4682-AE68-2F8DBF158A5C}"/>
+              </a:ext>
+            </a:extLst>
+          </p:cNvPr>
+          <p:cNvSpPr txBox="1"/>
+          <p:nvPr/>
+        </p:nvSpPr>
+        <p:spPr>
+          <a:xfrm>
+            <a:off x="7849351" y="877359"/>
+            <a:ext cx="2216932" cy="584775"/>
+          </a:xfrm>
+          <a:prstGeom prst="rect">
+            <a:avLst/>
+          </a:prstGeom>
+          <a:noFill/>
+        </p:spPr>
+        <p:txBody>
+          <a:bodyPr wrap="square" rtlCol="0">
+            <a:spAutoFit/>
+          </a:bodyPr>
+          <a:lstStyle/>
+          <a:p>
+            <a:r>
+              <a:rPr lang="zh-CN" altLang="en-US" sz="3200" dirty="0"/>
+              <a:t>主要功能</a:t>
+            </a:r>
+          </a:p>
+        </p:txBody>
+      </p:sp>
     </p:spTree>
     <p:extLst>
       <p:ext uri="{BB962C8B-B14F-4D97-AF65-F5344CB8AC3E}">
@@ -37581,6 +37435,41 @@
               <a:cs typeface="+mn-ea"/>
               <a:sym typeface="+mn-lt"/>
             </a:endParaRPr>
+          </a:p>
+        </p:txBody>
+      </p:sp>
+      <p:sp>
+        <p:nvSpPr>
+          <p:cNvPr id="24" name="文本框 23">
+            <a:extLst>
+              <a:ext uri="{FF2B5EF4-FFF2-40B4-BE49-F238E27FC236}">
+                <a16:creationId xmlns:a16="http://schemas.microsoft.com/office/drawing/2014/main" id="{0BDD5296-64AE-484B-BB55-0BAEBAC6E643}"/>
+              </a:ext>
+            </a:extLst>
+          </p:cNvPr>
+          <p:cNvSpPr txBox="1"/>
+          <p:nvPr/>
+        </p:nvSpPr>
+        <p:spPr>
+          <a:xfrm>
+            <a:off x="7776154" y="1150783"/>
+            <a:ext cx="2216932" cy="584775"/>
+          </a:xfrm>
+          <a:prstGeom prst="rect">
+            <a:avLst/>
+          </a:prstGeom>
+          <a:noFill/>
+        </p:spPr>
+        <p:txBody>
+          <a:bodyPr wrap="square" rtlCol="0">
+            <a:spAutoFit/>
+          </a:bodyPr>
+          <a:lstStyle/>
+          <a:p>
+            <a:r>
+              <a:rPr lang="zh-CN" altLang="en-US" sz="3200" dirty="0"/>
+              <a:t>主要功能</a:t>
+            </a:r>
           </a:p>
         </p:txBody>
       </p:sp>
